--- a/docs/presentation.pptx
+++ b/docs/presentation.pptx
@@ -1475,7 +1475,24 @@
               <a:buNone/>
             </a:pPr>
             <a:r>
-              <a:t/>
+              <a:rPr lang="pl"/>
+              <a:t>Ustaliliśmy że o prywatności danych na razie nie rozmawiamy</a:t>
+            </a:r>
+            <a:endParaRPr/>
+          </a:p>
+          <a:p>
+            <a:pPr indent="0" lvl="0" marL="0" rtl="0" algn="l">
+              <a:spcBef>
+                <a:spcPts val="0"/>
+              </a:spcBef>
+              <a:spcAft>
+                <a:spcPts val="0"/>
+              </a:spcAft>
+              <a:buNone/>
+            </a:pPr>
+            <a:r>
+              <a:rPr lang="pl"/>
+              <a:t>adressed</a:t>
             </a:r>
             <a:endParaRPr/>
           </a:p>
@@ -1563,6 +1580,73 @@
             <a:noAutofit/>
           </a:bodyPr>
           <a:lstStyle/>
+          <a:p>
+            <a:pPr indent="0" lvl="0" marL="0" rtl="0" algn="l">
+              <a:spcBef>
+                <a:spcPts val="0"/>
+              </a:spcBef>
+              <a:spcAft>
+                <a:spcPts val="0"/>
+              </a:spcAft>
+              <a:buNone/>
+            </a:pPr>
+            <a:r>
+              <a:rPr lang="pl"/>
+              <a:t>Punkt 2: na razie takie narzędzie nie istnieje; jeśli preprocesing zrobi nam cluster model/inny AI, to wsm to jakby już jest to </a:t>
+            </a:r>
+            <a:endParaRPr/>
+          </a:p>
+          <a:p>
+            <a:pPr indent="0" lvl="0" marL="0" rtl="0" algn="l">
+              <a:spcBef>
+                <a:spcPts val="0"/>
+              </a:spcBef>
+              <a:spcAft>
+                <a:spcPts val="0"/>
+              </a:spcAft>
+              <a:buNone/>
+            </a:pPr>
+            <a:r>
+              <a:t/>
+            </a:r>
+            <a:endParaRPr/>
+          </a:p>
+          <a:p>
+            <a:pPr indent="0" lvl="0" marL="0" rtl="0" algn="l">
+              <a:spcBef>
+                <a:spcPts val="0"/>
+              </a:spcBef>
+              <a:spcAft>
+                <a:spcPts val="0"/>
+              </a:spcAft>
+              <a:buNone/>
+            </a:pPr>
+            <a:r>
+              <a:rPr i="1" lang="pl"/>
+              <a:t>istniejące narzędzie</a:t>
+            </a:r>
+            <a:r>
+              <a:rPr lang="pl"/>
+              <a:t> - mialem na myśli ten ich pipeline do robienia screenshotów i rozpoznawania na nich bounding boxów z tekstem</a:t>
+            </a:r>
+            <a:endParaRPr/>
+          </a:p>
+          <a:p>
+            <a:pPr indent="0" lvl="0" marL="0" rtl="0" algn="l">
+              <a:spcBef>
+                <a:spcPts val="0"/>
+              </a:spcBef>
+              <a:spcAft>
+                <a:spcPts val="0"/>
+              </a:spcAft>
+              <a:buNone/>
+            </a:pPr>
+            <a:r>
+              <a:rPr lang="pl"/>
+              <a:t>chodziło mi o możliwą ingerencję w ten etap</a:t>
+            </a:r>
+            <a:endParaRPr/>
+          </a:p>
           <a:p>
             <a:pPr indent="0" lvl="0" marL="0" rtl="0" algn="l">
               <a:spcBef>
@@ -6787,7 +6871,7 @@
         </p:blipFill>
         <p:spPr>
           <a:xfrm>
-            <a:off x="3915900" y="516850"/>
+            <a:off x="3950525" y="1032675"/>
             <a:ext cx="4900224" cy="2645475"/>
           </a:xfrm>
           <a:prstGeom prst="rect">
@@ -6909,7 +6993,7 @@
         </p:spPr>
         <p:txBody>
           <a:bodyPr anchorCtr="0" anchor="t" bIns="91425" lIns="91425" spcFirstLastPara="1" rIns="91425" wrap="square" tIns="91425">
-            <a:normAutofit/>
+            <a:normAutofit lnSpcReduction="10000"/>
           </a:bodyPr>
           <a:lstStyle/>
           <a:p>
@@ -6932,7 +7016,7 @@
           <a:p>
             <a:pPr indent="-342900" lvl="0" marL="457200" rtl="0" algn="l">
               <a:spcBef>
-                <a:spcPts val="0"/>
+                <a:spcPts val="1000"/>
               </a:spcBef>
               <a:spcAft>
                 <a:spcPts val="0"/>
@@ -6949,7 +7033,7 @@
           <a:p>
             <a:pPr indent="-342900" lvl="0" marL="457200" rtl="0" algn="l">
               <a:spcBef>
-                <a:spcPts val="0"/>
+                <a:spcPts val="1000"/>
               </a:spcBef>
               <a:spcAft>
                 <a:spcPts val="0"/>
@@ -6966,7 +7050,7 @@
           <a:p>
             <a:pPr indent="-342900" lvl="0" marL="457200" rtl="0" algn="l">
               <a:spcBef>
-                <a:spcPts val="0"/>
+                <a:spcPts val="1000"/>
               </a:spcBef>
               <a:spcAft>
                 <a:spcPts val="0"/>
@@ -6983,7 +7067,7 @@
           <a:p>
             <a:pPr indent="-342900" lvl="0" marL="457200" rtl="0" algn="l">
               <a:spcBef>
-                <a:spcPts val="0"/>
+                <a:spcPts val="1000"/>
               </a:spcBef>
               <a:spcAft>
                 <a:spcPts val="0"/>
@@ -7000,10 +7084,10 @@
           <a:p>
             <a:pPr indent="-342900" lvl="0" marL="457200" rtl="0" algn="l">
               <a:spcBef>
-                <a:spcPts val="0"/>
-              </a:spcBef>
-              <a:spcAft>
-                <a:spcPts val="0"/>
+                <a:spcPts val="1000"/>
+              </a:spcBef>
+              <a:spcAft>
+                <a:spcPts val="1000"/>
               </a:spcAft>
               <a:buSzPts val="1800"/>
               <a:buChar char="●"/>
@@ -7403,7 +7487,7 @@
         <p:spPr>
           <a:xfrm>
             <a:off x="311700" y="1152475"/>
-            <a:ext cx="5300400" cy="3677100"/>
+            <a:ext cx="8394600" cy="3677100"/>
           </a:xfrm>
           <a:prstGeom prst="rect">
             <a:avLst/>
@@ -7415,27 +7499,27 @@
           </a:bodyPr>
           <a:lstStyle/>
           <a:p>
-            <a:pPr indent="-342900" lvl="0" marL="457200" rtl="0" algn="l">
-              <a:spcBef>
-                <a:spcPts val="0"/>
-              </a:spcBef>
-              <a:spcAft>
-                <a:spcPts val="0"/>
-              </a:spcAft>
-              <a:buSzPts val="1800"/>
+            <a:pPr indent="-381000" lvl="0" marL="457200" rtl="0" algn="l">
+              <a:spcBef>
+                <a:spcPts val="0"/>
+              </a:spcBef>
+              <a:spcAft>
+                <a:spcPts val="0"/>
+              </a:spcAft>
+              <a:buSzPts val="2400"/>
               <a:buFont typeface="Lexend"/>
               <a:buAutoNum type="arabicPeriod"/>
             </a:pPr>
             <a:r>
-              <a:rPr lang="pl">
+              <a:rPr lang="pl" sz="2400">
                 <a:latin typeface="Lexend"/>
                 <a:ea typeface="Lexend"/>
                 <a:cs typeface="Lexend"/>
                 <a:sym typeface="Lexend"/>
               </a:rPr>
-              <a:t>Ograniczone zasoby sprzętowe </a:t>
+              <a:t>Ograniczone zasoby sprzętowe - modele LLM wymagają sporo pamięci i mocy obliczeniowej </a:t>
             </a:r>
-            <a:endParaRPr>
+            <a:endParaRPr sz="2400">
               <a:latin typeface="Lexend"/>
               <a:ea typeface="Lexend"/>
               <a:cs typeface="Lexend"/>
@@ -7443,55 +7527,27 @@
             </a:endParaRPr>
           </a:p>
           <a:p>
-            <a:pPr indent="-342900" lvl="0" marL="457200" rtl="0" algn="l">
+            <a:pPr indent="-381000" lvl="0" marL="457200" rtl="0" algn="l">
               <a:spcBef>
                 <a:spcPts val="1000"/>
               </a:spcBef>
               <a:spcAft>
                 <a:spcPts val="0"/>
               </a:spcAft>
-              <a:buSzPts val="1800"/>
+              <a:buSzPts val="2400"/>
               <a:buFont typeface="Lexend"/>
               <a:buAutoNum type="arabicPeriod"/>
             </a:pPr>
             <a:r>
-              <a:rPr lang="pl">
+              <a:rPr lang="pl" sz="2400">
                 <a:latin typeface="Lexend"/>
                 <a:ea typeface="Lexend"/>
                 <a:cs typeface="Lexend"/>
                 <a:sym typeface="Lexend"/>
               </a:rPr>
-              <a:t>Opracowanie wiarygodnych benchmarków</a:t>
+              <a:t>Opracowanie wiarygodnych benchmarków - ten dostarczony nam przez firmę opiera się na porównaniu z modelem wzorcowym (ChatGPT-4o) i jest przez to ograniczony</a:t>
             </a:r>
-            <a:endParaRPr>
-              <a:latin typeface="Lexend"/>
-              <a:ea typeface="Lexend"/>
-              <a:cs typeface="Lexend"/>
-              <a:sym typeface="Lexend"/>
-            </a:endParaRPr>
-          </a:p>
-          <a:p>
-            <a:pPr indent="-342900" lvl="0" marL="457200" rtl="0" algn="l">
-              <a:spcBef>
-                <a:spcPts val="1000"/>
-              </a:spcBef>
-              <a:spcAft>
-                <a:spcPts val="0"/>
-              </a:spcAft>
-              <a:buSzPts val="1800"/>
-              <a:buFont typeface="Lexend"/>
-              <a:buAutoNum type="arabicPeriod"/>
-            </a:pPr>
-            <a:r>
-              <a:rPr lang="pl">
-                <a:latin typeface="Lexend"/>
-                <a:ea typeface="Lexend"/>
-                <a:cs typeface="Lexend"/>
-                <a:sym typeface="Lexend"/>
-              </a:rPr>
-              <a:t>Maskowanie danych prywatnych na odpowiednim etapie</a:t>
-            </a:r>
-            <a:endParaRPr>
+            <a:endParaRPr sz="2400">
               <a:latin typeface="Lexend"/>
               <a:ea typeface="Lexend"/>
               <a:cs typeface="Lexend"/>
@@ -7667,7 +7723,7 @@
                 <a:cs typeface="Lexend"/>
                 <a:sym typeface="Lexend"/>
               </a:rPr>
-              <a:t>Zaawansowany preprocessing - zastąpienie istniejącego narzędzia parsowaniem które uwzględni relacje między elementami layoutu ekranu i potencjalnie zredukuje koszt tego etapu </a:t>
+              <a:t>Zaawansowany preprocessing - istniejący pipeline robi screenshoty i rozpoznaje na nich boxy z tekstem - tracimy tutaj wiele kontekstowych informacji o layoucie - możliwość zaimplementowania własnego parsowania uwzględniającego więcej informacji </a:t>
             </a:r>
             <a:endParaRPr>
               <a:latin typeface="Lexend"/>
